--- a/Proyecto Inventario/Proyecto Inventario.pptx
+++ b/Proyecto Inventario/Proyecto Inventario.pptx
@@ -32893,14 +32893,52 @@
         </p:blipFill>
         <p:spPr>
           <a:xfrm>
-            <a:off x="0" y="3298372"/>
-            <a:ext cx="24384000" cy="12449628"/>
+            <a:off x="0" y="4111624"/>
+            <a:ext cx="24384000" cy="12379442"/>
           </a:xfrm>
           <a:prstGeom prst="rect">
             <a:avLst/>
           </a:prstGeom>
         </p:spPr>
       </p:pic>
+      <p:sp>
+        <p:nvSpPr>
+          <p:cNvPr id="2" name="CuadroTexto 1">
+            <a:extLst>
+              <a:ext uri="{FF2B5EF4-FFF2-40B4-BE49-F238E27FC236}">
+                <a16:creationId xmlns:a16="http://schemas.microsoft.com/office/drawing/2014/main" id="{715F0F54-E71E-48F7-8992-B2AE54A317F9}"/>
+              </a:ext>
+            </a:extLst>
+          </p:cNvPr>
+          <p:cNvSpPr txBox="1"/>
+          <p:nvPr/>
+        </p:nvSpPr>
+        <p:spPr>
+          <a:xfrm>
+            <a:off x="9272656" y="3283897"/>
+            <a:ext cx="8362202" cy="707886"/>
+          </a:xfrm>
+          <a:prstGeom prst="rect">
+            <a:avLst/>
+          </a:prstGeom>
+          <a:noFill/>
+        </p:spPr>
+        <p:txBody>
+          <a:bodyPr wrap="square" rtlCol="0">
+            <a:spAutoFit/>
+          </a:bodyPr>
+          <a:lstStyle/>
+          <a:p>
+            <a:r>
+              <a:rPr lang="es-MX" sz="4000" dirty="0">
+                <a:hlinkClick r:id="rId5" action="ppaction://hlinkfile"/>
+              </a:rPr>
+              <a:t>Plantilla gestión de proyecto</a:t>
+            </a:r>
+            <a:endParaRPr lang="es-CO" sz="4000" dirty="0"/>
+          </a:p>
+        </p:txBody>
+      </p:sp>
     </p:spTree>
     <p:extLst>
       <p:ext uri="{BB962C8B-B14F-4D97-AF65-F5344CB8AC3E}">

--- a/Proyecto Inventario/Proyecto Inventario.pptx
+++ b/Proyecto Inventario/Proyecto Inventario.pptx
@@ -35403,6 +35403,7 @@
       <p:pic>
         <p:nvPicPr>
           <p:cNvPr id="2" name="Imagen 1">
+            <a:hlinkClick r:id="rId4" action="ppaction://hlinkfile"/>
             <a:extLst>
               <a:ext uri="{FF2B5EF4-FFF2-40B4-BE49-F238E27FC236}">
                 <a16:creationId xmlns:a16="http://schemas.microsoft.com/office/drawing/2014/main" id="{5F280086-B86B-4FED-9731-E557661BE60F}"/>
@@ -35415,21 +35416,59 @@
           <p:nvPr/>
         </p:nvPicPr>
         <p:blipFill>
-          <a:blip r:embed="rId4"/>
+          <a:blip r:embed="rId5"/>
           <a:stretch>
             <a:fillRect/>
           </a:stretch>
         </p:blipFill>
         <p:spPr>
           <a:xfrm>
-            <a:off x="2007008" y="3298372"/>
-            <a:ext cx="20232506" cy="12115800"/>
+            <a:off x="2007008" y="4702629"/>
+            <a:ext cx="20232506" cy="10711543"/>
           </a:xfrm>
           <a:prstGeom prst="rect">
             <a:avLst/>
           </a:prstGeom>
         </p:spPr>
       </p:pic>
+      <p:sp>
+        <p:nvSpPr>
+          <p:cNvPr id="3" name="CuadroTexto 2">
+            <a:extLst>
+              <a:ext uri="{FF2B5EF4-FFF2-40B4-BE49-F238E27FC236}">
+                <a16:creationId xmlns:a16="http://schemas.microsoft.com/office/drawing/2014/main" id="{720040DE-D737-4102-A5D8-A2F4A357B2C1}"/>
+              </a:ext>
+            </a:extLst>
+          </p:cNvPr>
+          <p:cNvSpPr txBox="1"/>
+          <p:nvPr/>
+        </p:nvSpPr>
+        <p:spPr>
+          <a:xfrm>
+            <a:off x="10516080" y="3597273"/>
+            <a:ext cx="3351840" cy="707886"/>
+          </a:xfrm>
+          <a:prstGeom prst="rect">
+            <a:avLst/>
+          </a:prstGeom>
+          <a:noFill/>
+        </p:spPr>
+        <p:txBody>
+          <a:bodyPr wrap="square" rtlCol="0">
+            <a:spAutoFit/>
+          </a:bodyPr>
+          <a:lstStyle/>
+          <a:p>
+            <a:r>
+              <a:rPr lang="es-MX" sz="4000" dirty="0">
+                <a:hlinkClick r:id="rId6" action="ppaction://hlinkfile"/>
+              </a:rPr>
+              <a:t>List balance</a:t>
+            </a:r>
+            <a:endParaRPr lang="es-CO" sz="4000" dirty="0"/>
+          </a:p>
+        </p:txBody>
+      </p:sp>
     </p:spTree>
     <p:extLst>
       <p:ext uri="{BB962C8B-B14F-4D97-AF65-F5344CB8AC3E}">
@@ -35589,14 +35628,52 @@
         </p:blipFill>
         <p:spPr>
           <a:xfrm>
-            <a:off x="2007009" y="3363686"/>
-            <a:ext cx="20330478" cy="12115799"/>
+            <a:off x="2007009" y="4637314"/>
+            <a:ext cx="20330478" cy="10842171"/>
           </a:xfrm>
           <a:prstGeom prst="rect">
             <a:avLst/>
           </a:prstGeom>
         </p:spPr>
       </p:pic>
+      <p:sp>
+        <p:nvSpPr>
+          <p:cNvPr id="3" name="CuadroTexto 2">
+            <a:extLst>
+              <a:ext uri="{FF2B5EF4-FFF2-40B4-BE49-F238E27FC236}">
+                <a16:creationId xmlns:a16="http://schemas.microsoft.com/office/drawing/2014/main" id="{F4FF67B8-F042-4C2C-AB33-6AC80F8FDF9B}"/>
+              </a:ext>
+            </a:extLst>
+          </p:cNvPr>
+          <p:cNvSpPr txBox="1"/>
+          <p:nvPr/>
+        </p:nvSpPr>
+        <p:spPr>
+          <a:xfrm>
+            <a:off x="11065328" y="3657601"/>
+            <a:ext cx="2748643" cy="707886"/>
+          </a:xfrm>
+          <a:prstGeom prst="rect">
+            <a:avLst/>
+          </a:prstGeom>
+          <a:noFill/>
+        </p:spPr>
+        <p:txBody>
+          <a:bodyPr wrap="square" rtlCol="0">
+            <a:spAutoFit/>
+          </a:bodyPr>
+          <a:lstStyle/>
+          <a:p>
+            <a:r>
+              <a:rPr lang="es-MX" sz="4000" dirty="0">
+                <a:hlinkClick r:id="rId5" action="ppaction://hlinkfile"/>
+              </a:rPr>
+              <a:t>Registro</a:t>
+            </a:r>
+            <a:endParaRPr lang="es-CO" sz="4000" dirty="0"/>
+          </a:p>
+        </p:txBody>
+      </p:sp>
     </p:spTree>
     <p:extLst>
       <p:ext uri="{BB962C8B-B14F-4D97-AF65-F5344CB8AC3E}">
@@ -35756,14 +35833,52 @@
         </p:blipFill>
         <p:spPr>
           <a:xfrm>
-            <a:off x="261257" y="3331029"/>
-            <a:ext cx="23872371" cy="11919065"/>
+            <a:off x="261257" y="4367069"/>
+            <a:ext cx="23872371" cy="10883025"/>
           </a:xfrm>
           <a:prstGeom prst="rect">
             <a:avLst/>
           </a:prstGeom>
         </p:spPr>
       </p:pic>
+      <p:sp>
+        <p:nvSpPr>
+          <p:cNvPr id="3" name="CuadroTexto 2">
+            <a:extLst>
+              <a:ext uri="{FF2B5EF4-FFF2-40B4-BE49-F238E27FC236}">
+                <a16:creationId xmlns:a16="http://schemas.microsoft.com/office/drawing/2014/main" id="{C82C220F-B994-4CFB-99BE-D33640A21B75}"/>
+              </a:ext>
+            </a:extLst>
+          </p:cNvPr>
+          <p:cNvSpPr txBox="1"/>
+          <p:nvPr/>
+        </p:nvSpPr>
+        <p:spPr>
+          <a:xfrm>
+            <a:off x="10608129" y="3396343"/>
+            <a:ext cx="4131129" cy="707886"/>
+          </a:xfrm>
+          <a:prstGeom prst="rect">
+            <a:avLst/>
+          </a:prstGeom>
+          <a:noFill/>
+        </p:spPr>
+        <p:txBody>
+          <a:bodyPr wrap="square" rtlCol="0">
+            <a:spAutoFit/>
+          </a:bodyPr>
+          <a:lstStyle/>
+          <a:p>
+            <a:r>
+              <a:rPr lang="es-MX" sz="4000" dirty="0">
+                <a:hlinkClick r:id="rId5" action="ppaction://hlinkfile"/>
+              </a:rPr>
+              <a:t>Pagina principal</a:t>
+            </a:r>
+            <a:endParaRPr lang="es-CO" sz="4000" dirty="0"/>
+          </a:p>
+        </p:txBody>
+      </p:sp>
     </p:spTree>
     <p:extLst>
       <p:ext uri="{BB962C8B-B14F-4D97-AF65-F5344CB8AC3E}">
@@ -35915,8 +36030,8 @@
         </p:nvSpPr>
         <p:spPr>
           <a:xfrm>
-            <a:off x="9012384" y="3495632"/>
-            <a:ext cx="6359231" cy="707886"/>
+            <a:off x="8509106" y="3430318"/>
+            <a:ext cx="7806045" cy="707886"/>
           </a:xfrm>
           <a:prstGeom prst="rect">
             <a:avLst/>
@@ -35933,7 +36048,7 @@
               <a:rPr lang="es-CO" sz="4000" dirty="0">
                 <a:hlinkClick r:id="rId4"/>
               </a:rPr>
-              <a:t>juanpa2723/INVENTARIO</a:t>
+              <a:t>Sistema control de versiones</a:t>
             </a:r>
             <a:endParaRPr lang="es-CO" sz="4000" dirty="0"/>
           </a:p>
